--- a/docs/songs/graves into gardens.pptx
+++ b/docs/songs/graves into gardens.pptx
@@ -5,7 +5,7 @@
     <p:sldMasterId id="2147483648" r:id="rId1"/>
   </p:sldMasterIdLst>
   <p:notesMasterIdLst>
-    <p:notesMasterId r:id="rId12"/>
+    <p:notesMasterId r:id="rId13"/>
   </p:notesMasterIdLst>
   <p:sldIdLst>
     <p:sldId id="545" r:id="rId2"/>
@@ -18,6 +18,7 @@
     <p:sldId id="550" r:id="rId9"/>
     <p:sldId id="551" r:id="rId10"/>
     <p:sldId id="552" r:id="rId11"/>
+    <p:sldId id="555" r:id="rId12"/>
   </p:sldIdLst>
   <p:sldSz cx="9144000" cy="6858000" type="screen4x3"/>
   <p:notesSz cx="6858000" cy="9144000"/>
@@ -217,7 +218,7 @@
           <a:p>
             <a:fld id="{C57EAEFC-A9C7-464E-BE3F-33D4DD72E122}" type="datetimeFigureOut">
               <a:rPr lang="en-GB" smtClean="0"/>
-              <a:t>05/06/2025</a:t>
+              <a:t>07/06/2025</a:t>
             </a:fld>
             <a:endParaRPr lang="en-GB"/>
           </a:p>
@@ -667,7 +668,7 @@
             <a:fld id="{26EA1CF3-4A15-4CBF-9A5A-6A56C368BE71}" type="datetimeFigureOut">
               <a:rPr lang="en-GB" smtClean="0"/>
               <a:pPr/>
-              <a:t>05/06/2025</a:t>
+              <a:t>07/06/2025</a:t>
             </a:fld>
             <a:endParaRPr lang="en-GB"/>
           </a:p>
@@ -834,7 +835,7 @@
             <a:fld id="{26EA1CF3-4A15-4CBF-9A5A-6A56C368BE71}" type="datetimeFigureOut">
               <a:rPr lang="en-GB" smtClean="0"/>
               <a:pPr/>
-              <a:t>05/06/2025</a:t>
+              <a:t>07/06/2025</a:t>
             </a:fld>
             <a:endParaRPr lang="en-GB"/>
           </a:p>
@@ -1011,7 +1012,7 @@
             <a:fld id="{26EA1CF3-4A15-4CBF-9A5A-6A56C368BE71}" type="datetimeFigureOut">
               <a:rPr lang="en-GB" smtClean="0"/>
               <a:pPr/>
-              <a:t>05/06/2025</a:t>
+              <a:t>07/06/2025</a:t>
             </a:fld>
             <a:endParaRPr lang="en-GB"/>
           </a:p>
@@ -1178,7 +1179,7 @@
             <a:fld id="{26EA1CF3-4A15-4CBF-9A5A-6A56C368BE71}" type="datetimeFigureOut">
               <a:rPr lang="en-GB" smtClean="0"/>
               <a:pPr/>
-              <a:t>05/06/2025</a:t>
+              <a:t>07/06/2025</a:t>
             </a:fld>
             <a:endParaRPr lang="en-GB"/>
           </a:p>
@@ -1421,7 +1422,7 @@
             <a:fld id="{26EA1CF3-4A15-4CBF-9A5A-6A56C368BE71}" type="datetimeFigureOut">
               <a:rPr lang="en-GB" smtClean="0"/>
               <a:pPr/>
-              <a:t>05/06/2025</a:t>
+              <a:t>07/06/2025</a:t>
             </a:fld>
             <a:endParaRPr lang="en-GB"/>
           </a:p>
@@ -1706,7 +1707,7 @@
             <a:fld id="{26EA1CF3-4A15-4CBF-9A5A-6A56C368BE71}" type="datetimeFigureOut">
               <a:rPr lang="en-GB" smtClean="0"/>
               <a:pPr/>
-              <a:t>05/06/2025</a:t>
+              <a:t>07/06/2025</a:t>
             </a:fld>
             <a:endParaRPr lang="en-GB"/>
           </a:p>
@@ -2125,7 +2126,7 @@
             <a:fld id="{26EA1CF3-4A15-4CBF-9A5A-6A56C368BE71}" type="datetimeFigureOut">
               <a:rPr lang="en-GB" smtClean="0"/>
               <a:pPr/>
-              <a:t>05/06/2025</a:t>
+              <a:t>07/06/2025</a:t>
             </a:fld>
             <a:endParaRPr lang="en-GB"/>
           </a:p>
@@ -2240,7 +2241,7 @@
             <a:fld id="{26EA1CF3-4A15-4CBF-9A5A-6A56C368BE71}" type="datetimeFigureOut">
               <a:rPr lang="en-GB" smtClean="0"/>
               <a:pPr/>
-              <a:t>05/06/2025</a:t>
+              <a:t>07/06/2025</a:t>
             </a:fld>
             <a:endParaRPr lang="en-GB"/>
           </a:p>
@@ -2332,7 +2333,7 @@
             <a:fld id="{26EA1CF3-4A15-4CBF-9A5A-6A56C368BE71}" type="datetimeFigureOut">
               <a:rPr lang="en-GB" smtClean="0"/>
               <a:pPr/>
-              <a:t>05/06/2025</a:t>
+              <a:t>07/06/2025</a:t>
             </a:fld>
             <a:endParaRPr lang="en-GB"/>
           </a:p>
@@ -2606,7 +2607,7 @@
             <a:fld id="{26EA1CF3-4A15-4CBF-9A5A-6A56C368BE71}" type="datetimeFigureOut">
               <a:rPr lang="en-GB" smtClean="0"/>
               <a:pPr/>
-              <a:t>05/06/2025</a:t>
+              <a:t>07/06/2025</a:t>
             </a:fld>
             <a:endParaRPr lang="en-GB"/>
           </a:p>
@@ -2856,7 +2857,7 @@
             <a:fld id="{26EA1CF3-4A15-4CBF-9A5A-6A56C368BE71}" type="datetimeFigureOut">
               <a:rPr lang="en-GB" smtClean="0"/>
               <a:pPr/>
-              <a:t>05/06/2025</a:t>
+              <a:t>07/06/2025</a:t>
             </a:fld>
             <a:endParaRPr lang="en-GB"/>
           </a:p>
@@ -3065,7 +3066,7 @@
             <a:fld id="{26EA1CF3-4A15-4CBF-9A5A-6A56C368BE71}" type="datetimeFigureOut">
               <a:rPr lang="en-GB" smtClean="0"/>
               <a:pPr/>
-              <a:t>05/06/2025</a:t>
+              <a:t>07/06/2025</a:t>
             </a:fld>
             <a:endParaRPr lang="en-GB"/>
           </a:p>
@@ -3814,6 +3815,28 @@
               </a:rPr>
               <a:t>Nothing is better than You</a:t>
             </a:r>
+            <a:br>
+              <a:rPr lang="en-GB" sz="3600" dirty="0">
+                <a:solidFill>
+                  <a:schemeClr val="bg1"/>
+                </a:solidFill>
+              </a:rPr>
+            </a:br>
+            <a:br>
+              <a:rPr lang="en-GB" sz="3600" dirty="0">
+                <a:solidFill>
+                  <a:schemeClr val="bg1"/>
+                </a:solidFill>
+              </a:rPr>
+            </a:br>
+            <a:r>
+              <a:rPr lang="en-GB" sz="3600" dirty="0">
+                <a:solidFill>
+                  <a:schemeClr val="bg1"/>
+                </a:solidFill>
+              </a:rPr>
+              <a:t>(REPEAT)</a:t>
+            </a:r>
           </a:p>
         </p:txBody>
       </p:sp>
@@ -3831,8 +3854,8 @@
         </p:nvSpPr>
         <p:spPr>
           <a:xfrm>
-            <a:off x="8529729" y="0"/>
-            <a:ext cx="628698" cy="461665"/>
+            <a:off x="8482098" y="0"/>
+            <a:ext cx="784189" cy="461665"/>
           </a:xfrm>
           <a:prstGeom prst="rect">
             <a:avLst/>
@@ -3851,7 +3874,7 @@
                   <a:schemeClr val="bg1"/>
                 </a:solidFill>
               </a:rPr>
-              <a:t>9/9</a:t>
+              <a:t>9/10</a:t>
             </a:r>
           </a:p>
         </p:txBody>
@@ -3860,6 +3883,174 @@
     <p:extLst>
       <p:ext uri="{BB962C8B-B14F-4D97-AF65-F5344CB8AC3E}">
         <p14:creationId xmlns:p14="http://schemas.microsoft.com/office/powerpoint/2010/main" val="1934670435"/>
+      </p:ext>
+    </p:extLst>
+  </p:cSld>
+  <p:clrMapOvr>
+    <a:masterClrMapping/>
+  </p:clrMapOvr>
+</p:sld>
+</file>
+
+<file path=ppt/slides/slide11.xml><?xml version="1.0" encoding="utf-8"?>
+<p:sld xmlns:a="http://schemas.openxmlformats.org/drawingml/2006/main" xmlns:r="http://schemas.openxmlformats.org/officeDocument/2006/relationships" xmlns:p="http://schemas.openxmlformats.org/presentationml/2006/main">
+  <p:cSld>
+    <p:spTree>
+      <p:nvGrpSpPr>
+        <p:cNvPr id="1" name="">
+          <a:extLst>
+            <a:ext uri="{FF2B5EF4-FFF2-40B4-BE49-F238E27FC236}">
+              <a16:creationId xmlns:a16="http://schemas.microsoft.com/office/drawing/2014/main" id="{AE54E9FA-5AA8-1DE2-45ED-E589DECE354E}"/>
+            </a:ext>
+          </a:extLst>
+        </p:cNvPr>
+        <p:cNvGrpSpPr/>
+        <p:nvPr/>
+      </p:nvGrpSpPr>
+      <p:grpSpPr>
+        <a:xfrm>
+          <a:off x="0" y="0"/>
+          <a:ext cx="0" cy="0"/>
+          <a:chOff x="0" y="0"/>
+          <a:chExt cx="0" cy="0"/>
+        </a:xfrm>
+      </p:grpSpPr>
+      <p:sp>
+        <p:nvSpPr>
+          <p:cNvPr id="3" name="Subtitle 2">
+            <a:extLst>
+              <a:ext uri="{FF2B5EF4-FFF2-40B4-BE49-F238E27FC236}">
+                <a16:creationId xmlns:a16="http://schemas.microsoft.com/office/drawing/2014/main" id="{CEC6FD22-BAB3-1352-BF4B-25537BFD064A}"/>
+              </a:ext>
+            </a:extLst>
+          </p:cNvPr>
+          <p:cNvSpPr>
+            <a:spLocks noGrp="1"/>
+          </p:cNvSpPr>
+          <p:nvPr>
+            <p:ph type="subTitle" idx="1"/>
+          </p:nvPr>
+        </p:nvSpPr>
+        <p:spPr>
+          <a:xfrm>
+            <a:off x="228676" y="764704"/>
+            <a:ext cx="8640960" cy="6480720"/>
+          </a:xfrm>
+        </p:spPr>
+        <p:txBody>
+          <a:bodyPr>
+            <a:noAutofit/>
+          </a:bodyPr>
+          <a:lstStyle/>
+          <a:p>
+            <a:r>
+              <a:rPr lang="en-GB" sz="3600" dirty="0">
+                <a:solidFill>
+                  <a:schemeClr val="bg1"/>
+                </a:solidFill>
+              </a:rPr>
+              <a:t>You turn graves into gardens</a:t>
+            </a:r>
+          </a:p>
+          <a:p>
+            <a:r>
+              <a:rPr lang="en-GB" sz="3600" dirty="0">
+                <a:solidFill>
+                  <a:schemeClr val="bg1"/>
+                </a:solidFill>
+              </a:rPr>
+              <a:t>You turn bones into armies</a:t>
+            </a:r>
+          </a:p>
+          <a:p>
+            <a:r>
+              <a:rPr lang="en-GB" sz="3600" dirty="0">
+                <a:solidFill>
+                  <a:schemeClr val="bg1"/>
+                </a:solidFill>
+              </a:rPr>
+              <a:t>You turn seas into highways</a:t>
+            </a:r>
+          </a:p>
+          <a:p>
+            <a:r>
+              <a:rPr lang="en-GB" sz="3600" dirty="0">
+                <a:solidFill>
+                  <a:schemeClr val="bg1"/>
+                </a:solidFill>
+              </a:rPr>
+              <a:t>You're the only one who can</a:t>
+            </a:r>
+          </a:p>
+          <a:p>
+            <a:r>
+              <a:rPr lang="en-GB" sz="3600" dirty="0">
+                <a:solidFill>
+                  <a:schemeClr val="bg1"/>
+                </a:solidFill>
+              </a:rPr>
+              <a:t>You're the only one who can</a:t>
+            </a:r>
+          </a:p>
+          <a:p>
+            <a:endParaRPr lang="en-GB" sz="3600" dirty="0">
+              <a:solidFill>
+                <a:schemeClr val="bg1"/>
+              </a:solidFill>
+            </a:endParaRPr>
+          </a:p>
+          <a:p>
+            <a:endParaRPr lang="en-GB" sz="3600" dirty="0">
+              <a:solidFill>
+                <a:schemeClr val="bg1"/>
+              </a:solidFill>
+            </a:endParaRPr>
+          </a:p>
+        </p:txBody>
+      </p:sp>
+      <p:sp>
+        <p:nvSpPr>
+          <p:cNvPr id="4" name="TextBox 3">
+            <a:extLst>
+              <a:ext uri="{FF2B5EF4-FFF2-40B4-BE49-F238E27FC236}">
+                <a16:creationId xmlns:a16="http://schemas.microsoft.com/office/drawing/2014/main" id="{0F526050-A6A9-9467-7BD9-5A9DDC3274EF}"/>
+              </a:ext>
+            </a:extLst>
+          </p:cNvPr>
+          <p:cNvSpPr txBox="1"/>
+          <p:nvPr/>
+        </p:nvSpPr>
+        <p:spPr>
+          <a:xfrm>
+            <a:off x="8204319" y="0"/>
+            <a:ext cx="939681" cy="461665"/>
+          </a:xfrm>
+          <a:prstGeom prst="rect">
+            <a:avLst/>
+          </a:prstGeom>
+          <a:noFill/>
+        </p:spPr>
+        <p:txBody>
+          <a:bodyPr wrap="none" rtlCol="0">
+            <a:spAutoFit/>
+          </a:bodyPr>
+          <a:lstStyle/>
+          <a:p>
+            <a:r>
+              <a:rPr lang="en-GB" sz="2400" b="1" dirty="0">
+                <a:solidFill>
+                  <a:schemeClr val="bg1"/>
+                </a:solidFill>
+              </a:rPr>
+              <a:t>10/10</a:t>
+            </a:r>
+          </a:p>
+        </p:txBody>
+      </p:sp>
+    </p:spTree>
+    <p:extLst>
+      <p:ext uri="{BB962C8B-B14F-4D97-AF65-F5344CB8AC3E}">
+        <p14:creationId xmlns:p14="http://schemas.microsoft.com/office/powerpoint/2010/main" val="4240517806"/>
       </p:ext>
     </p:extLst>
   </p:cSld>
@@ -3957,8 +4148,8 @@
         </p:nvSpPr>
         <p:spPr>
           <a:xfrm>
-            <a:off x="8529729" y="0"/>
-            <a:ext cx="628698" cy="461665"/>
+            <a:off x="8388424" y="0"/>
+            <a:ext cx="784189" cy="461665"/>
           </a:xfrm>
           <a:prstGeom prst="rect">
             <a:avLst/>
@@ -3977,7 +4168,7 @@
                   <a:schemeClr val="bg1"/>
                 </a:solidFill>
               </a:rPr>
-              <a:t>1/9</a:t>
+              <a:t>1/10</a:t>
             </a:r>
           </a:p>
         </p:txBody>
@@ -4101,8 +4292,8 @@
         </p:nvSpPr>
         <p:spPr>
           <a:xfrm>
-            <a:off x="8529729" y="0"/>
-            <a:ext cx="628698" cy="461665"/>
+            <a:off x="8388424" y="0"/>
+            <a:ext cx="784189" cy="461665"/>
           </a:xfrm>
           <a:prstGeom prst="rect">
             <a:avLst/>
@@ -4121,7 +4312,7 @@
                   <a:schemeClr val="bg1"/>
                 </a:solidFill>
               </a:rPr>
-              <a:t>2/9</a:t>
+              <a:t>2/10</a:t>
             </a:r>
           </a:p>
         </p:txBody>
@@ -4245,8 +4436,8 @@
         </p:nvSpPr>
         <p:spPr>
           <a:xfrm>
-            <a:off x="8529729" y="0"/>
-            <a:ext cx="628698" cy="461665"/>
+            <a:off x="8364325" y="-3388"/>
+            <a:ext cx="784189" cy="461665"/>
           </a:xfrm>
           <a:prstGeom prst="rect">
             <a:avLst/>
@@ -4265,7 +4456,7 @@
                   <a:schemeClr val="bg1"/>
                 </a:solidFill>
               </a:rPr>
-              <a:t>3/9</a:t>
+              <a:t>3/10</a:t>
             </a:r>
           </a:p>
         </p:txBody>
@@ -4389,8 +4580,8 @@
         </p:nvSpPr>
         <p:spPr>
           <a:xfrm>
-            <a:off x="8529729" y="0"/>
-            <a:ext cx="628698" cy="461665"/>
+            <a:off x="8359811" y="0"/>
+            <a:ext cx="784189" cy="461665"/>
           </a:xfrm>
           <a:prstGeom prst="rect">
             <a:avLst/>
@@ -4409,7 +4600,7 @@
                   <a:schemeClr val="bg1"/>
                 </a:solidFill>
               </a:rPr>
-              <a:t>4/9</a:t>
+              <a:t>4/10</a:t>
             </a:r>
           </a:p>
         </p:txBody>
@@ -4541,8 +4732,8 @@
         </p:nvSpPr>
         <p:spPr>
           <a:xfrm>
-            <a:off x="8529729" y="0"/>
-            <a:ext cx="628698" cy="461665"/>
+            <a:off x="8388424" y="0"/>
+            <a:ext cx="784189" cy="461665"/>
           </a:xfrm>
           <a:prstGeom prst="rect">
             <a:avLst/>
@@ -4561,7 +4752,7 @@
                   <a:schemeClr val="bg1"/>
                 </a:solidFill>
               </a:rPr>
-              <a:t>5/9</a:t>
+              <a:t>5/10</a:t>
             </a:r>
           </a:p>
         </p:txBody>
@@ -4707,8 +4898,8 @@
         </p:nvSpPr>
         <p:spPr>
           <a:xfrm>
-            <a:off x="8529729" y="0"/>
-            <a:ext cx="628698" cy="461665"/>
+            <a:off x="8388424" y="8042"/>
+            <a:ext cx="784189" cy="461665"/>
           </a:xfrm>
           <a:prstGeom prst="rect">
             <a:avLst/>
@@ -4727,7 +4918,7 @@
                   <a:schemeClr val="bg1"/>
                 </a:solidFill>
               </a:rPr>
-              <a:t>6/9</a:t>
+              <a:t>6/10</a:t>
             </a:r>
           </a:p>
         </p:txBody>
@@ -4835,6 +5026,23 @@
               <a:t>You're the only one who can</a:t>
             </a:r>
           </a:p>
+          <a:p>
+            <a:endParaRPr lang="en-GB" sz="3600" dirty="0">
+              <a:solidFill>
+                <a:schemeClr val="bg1"/>
+              </a:solidFill>
+            </a:endParaRPr>
+          </a:p>
+          <a:p>
+            <a:r>
+              <a:rPr lang="en-GB" sz="3600" dirty="0">
+                <a:solidFill>
+                  <a:schemeClr val="bg1"/>
+                </a:solidFill>
+              </a:rPr>
+              <a:t>(REPEAT)</a:t>
+            </a:r>
+          </a:p>
         </p:txBody>
       </p:sp>
       <p:sp>
@@ -4851,8 +5059,8 @@
         </p:nvSpPr>
         <p:spPr>
           <a:xfrm>
-            <a:off x="8529729" y="0"/>
-            <a:ext cx="628698" cy="461665"/>
+            <a:off x="8316416" y="-26248"/>
+            <a:ext cx="784189" cy="461665"/>
           </a:xfrm>
           <a:prstGeom prst="rect">
             <a:avLst/>
@@ -4871,7 +5079,7 @@
                   <a:schemeClr val="bg1"/>
                 </a:solidFill>
               </a:rPr>
-              <a:t>7/9</a:t>
+              <a:t>7/10</a:t>
             </a:r>
           </a:p>
         </p:txBody>
@@ -4979,6 +5187,23 @@
               <a:t>You're the only one who can</a:t>
             </a:r>
           </a:p>
+          <a:p>
+            <a:r>
+              <a:rPr lang="en-GB" sz="3600" dirty="0">
+                <a:solidFill>
+                  <a:schemeClr val="bg1"/>
+                </a:solidFill>
+              </a:rPr>
+              <a:t>You're the only one who can</a:t>
+            </a:r>
+          </a:p>
+          <a:p>
+            <a:endParaRPr lang="en-GB" sz="3600" dirty="0">
+              <a:solidFill>
+                <a:schemeClr val="bg1"/>
+              </a:solidFill>
+            </a:endParaRPr>
+          </a:p>
         </p:txBody>
       </p:sp>
       <p:sp>
@@ -4995,8 +5220,8 @@
         </p:nvSpPr>
         <p:spPr>
           <a:xfrm>
-            <a:off x="8529729" y="0"/>
-            <a:ext cx="628698" cy="461665"/>
+            <a:off x="8388424" y="68580"/>
+            <a:ext cx="784189" cy="461665"/>
           </a:xfrm>
           <a:prstGeom prst="rect">
             <a:avLst/>
@@ -5015,7 +5240,7 @@
                   <a:schemeClr val="bg1"/>
                 </a:solidFill>
               </a:rPr>
-              <a:t>8/9</a:t>
+              <a:t>8/10</a:t>
             </a:r>
           </a:p>
         </p:txBody>
